--- a/GOoTD_Koberskiy_Dorozhkin_Sityaev.pptx
+++ b/GOoTD_Koberskiy_Dorozhkin_Sityaev.pptx
@@ -7687,9 +7687,14 @@
           <a:lstStyle/>
           <a:p>
             <a:r>
-              <a:rPr lang="ru-RU" dirty="0"/>
-              <a:t>Игровой процесс (доделать)</a:t>
-            </a:r>
+              <a:rPr lang="ru-RU"/>
+              <a:t>Игровой </a:t>
+            </a:r>
+            <a:r>
+              <a:rPr lang="ru-RU" smtClean="0"/>
+              <a:t>процесс</a:t>
+            </a:r>
+            <a:endParaRPr lang="ru-RU" dirty="0"/>
           </a:p>
         </p:txBody>
       </p:sp>

--- a/GOoTD_Koberskiy_Dorozhkin_Sityaev.pptx
+++ b/GOoTD_Koberskiy_Dorozhkin_Sityaev.pptx
@@ -8353,7 +8353,15 @@
           <a:p>
             <a:r>
               <a:rPr lang="ru-RU" dirty="0" smtClean="0"/>
-              <a:t>17 </a:t>
+              <a:t>1</a:t>
+            </a:r>
+            <a:r>
+              <a:rPr lang="en-US" smtClean="0"/>
+              <a:t>9</a:t>
+            </a:r>
+            <a:r>
+              <a:rPr lang="ru-RU" smtClean="0"/>
+              <a:t> </a:t>
             </a:r>
             <a:r>
               <a:rPr lang="ru-RU" dirty="0" err="1" smtClean="0"/>
@@ -8390,13 +8398,8 @@
             </a:r>
             <a:r>
               <a:rPr lang="ru-RU" dirty="0" smtClean="0"/>
-              <a:t> Мирослав – дизайн, графика, интерфейс, </a:t>
-            </a:r>
-            <a:r>
-              <a:rPr lang="ru-RU" smtClean="0"/>
-              <a:t>уровни сложности</a:t>
-            </a:r>
-            <a:endParaRPr lang="ru-RU" dirty="0" smtClean="0"/>
+              <a:t> Мирослав – дизайн, графика, интерфейс, уровни сложности</a:t>
+            </a:r>
           </a:p>
           <a:p>
             <a:r>

--- a/GOoTD_Koberskiy_Dorozhkin_Sityaev.pptx
+++ b/GOoTD_Koberskiy_Dorozhkin_Sityaev.pptx
@@ -8352,12 +8352,8 @@
           </a:p>
           <a:p>
             <a:r>
-              <a:rPr lang="ru-RU" dirty="0" smtClean="0"/>
-              <a:t>1</a:t>
-            </a:r>
-            <a:r>
               <a:rPr lang="en-US" smtClean="0"/>
-              <a:t>9</a:t>
+              <a:t>20</a:t>
             </a:r>
             <a:r>
               <a:rPr lang="ru-RU" smtClean="0"/>

--- a/GOoTD_Koberskiy_Dorozhkin_Sityaev.pptx
+++ b/GOoTD_Koberskiy_Dorozhkin_Sityaev.pptx
@@ -8352,20 +8352,20 @@
           </a:p>
           <a:p>
             <a:r>
-              <a:rPr lang="en-US" smtClean="0"/>
-              <a:t>20</a:t>
+              <a:rPr lang="en-US" dirty="0" smtClean="0"/>
+              <a:t>21</a:t>
+            </a:r>
+            <a:r>
+              <a:rPr lang="ru-RU" dirty="0" smtClean="0"/>
+              <a:t> </a:t>
             </a:r>
             <a:r>
               <a:rPr lang="ru-RU" smtClean="0"/>
-              <a:t> </a:t>
-            </a:r>
-            <a:r>
-              <a:rPr lang="ru-RU" dirty="0" err="1" smtClean="0"/>
-              <a:t>коммитов</a:t>
+              <a:t>коммит </a:t>
             </a:r>
             <a:r>
               <a:rPr lang="ru-RU" dirty="0" smtClean="0"/>
-              <a:t> в </a:t>
+              <a:t>в </a:t>
             </a:r>
             <a:r>
               <a:rPr lang="en-US" dirty="0" err="1" smtClean="0"/>
